--- a/doc/zkpayroll.pptx
+++ b/doc/zkpayroll.pptx
@@ -499,65 +499,6 @@
         <p:txBody>
           <a:bodyPr/>
           <a:p>
-            <a:r>
-              <a:rPr lang="zh-CN" altLang="en-US" sz="3200">
-                <a:solidFill>
-                  <a:schemeClr val="tx1"/>
-                </a:solidFill>
-                <a:uFillTx/>
-                <a:latin typeface="PingFang SC Regular" panose="020B0400000000000000" charset="-122"/>
-                <a:ea typeface="PingFang SC Regular" panose="020B0400000000000000" charset="-122"/>
-                <a:cs typeface="PingFang SC Regular" panose="020B0400000000000000" charset="-122"/>
-              </a:rPr>
-              <a:t>大家好，我来介绍一下METAPO。一个Web3社交网络，通过公平的曝光量算法，建立SocialFI。</a:t>
-            </a:r>
-            <a:endParaRPr lang="zh-CN" altLang="en-US" sz="3200">
-              <a:solidFill>
-                <a:schemeClr val="tx1"/>
-              </a:solidFill>
-              <a:uFillTx/>
-              <a:latin typeface="PingFang SC Regular" panose="020B0400000000000000" charset="-122"/>
-              <a:ea typeface="PingFang SC Regular" panose="020B0400000000000000" charset="-122"/>
-              <a:cs typeface="PingFang SC Regular" panose="020B0400000000000000" charset="-122"/>
-            </a:endParaRPr>
-          </a:p>
-          <a:p>
-            <a:r>
-              <a:rPr lang="zh-CN" altLang="en-US" sz="3200">
-                <a:solidFill>
-                  <a:schemeClr val="tx1"/>
-                </a:solidFill>
-                <a:uFillTx/>
-                <a:latin typeface="PingFang SC Regular" panose="020B0400000000000000" charset="-122"/>
-                <a:ea typeface="PingFang SC Regular" panose="020B0400000000000000" charset="-122"/>
-                <a:cs typeface="PingFang SC Regular" panose="020B0400000000000000" charset="-122"/>
-              </a:rPr>
-              <a:t>Hello everyone, let me introduce METAPO. A Web3 social network, </a:t>
-            </a:r>
-            <a:r>
-              <a:rPr lang="en-US" altLang="zh-CN" sz="3200">
-                <a:solidFill>
-                  <a:schemeClr val="tx1"/>
-                </a:solidFill>
-                <a:uFillTx/>
-                <a:latin typeface="PingFang SC Regular" panose="020B0400000000000000" charset="-122"/>
-                <a:ea typeface="PingFang SC Regular" panose="020B0400000000000000" charset="-122"/>
-                <a:cs typeface="PingFang SC Regular" panose="020B0400000000000000" charset="-122"/>
-              </a:rPr>
-              <a:t>with </a:t>
-            </a:r>
-            <a:r>
-              <a:rPr lang="zh-CN" altLang="en-US" sz="3200">
-                <a:solidFill>
-                  <a:schemeClr val="tx1"/>
-                </a:solidFill>
-                <a:uFillTx/>
-                <a:latin typeface="PingFang SC Regular" panose="020B0400000000000000" charset="-122"/>
-                <a:ea typeface="PingFang SC Regular" panose="020B0400000000000000" charset="-122"/>
-                <a:cs typeface="PingFang SC Regular" panose="020B0400000000000000" charset="-122"/>
-              </a:rPr>
-              <a:t>a fair exposure algorithm, to build SocialFI.</a:t>
-            </a:r>
             <a:endParaRPr lang="zh-CN" altLang="en-US" sz="3200">
               <a:solidFill>
                 <a:schemeClr val="tx1"/>
@@ -610,17 +551,6 @@
         <p:txBody>
           <a:bodyPr/>
           <a:p>
-            <a:r>
-              <a:rPr lang="zh-CN" altLang="en-US"/>
-              <a:t>就这样，谢谢大家！</a:t>
-            </a:r>
-            <a:endParaRPr lang="zh-CN" altLang="en-US"/>
-          </a:p>
-          <a:p>
-            <a:r>
-              <a:rPr lang="zh-CN" altLang="en-US"/>
-              <a:t>That's it, thank you!</a:t>
-            </a:r>
             <a:endParaRPr lang="zh-CN" altLang="en-US"/>
           </a:p>
         </p:txBody>
@@ -665,179 +595,6 @@
         <p:txBody>
           <a:bodyPr/>
           <a:p>
-            <a:r>
-              <a:rPr lang="zh-CN" altLang="en-US"/>
-              <a:t>这是</a:t>
-            </a:r>
-            <a:r>
-              <a:rPr lang="en-US" altLang="zh-CN"/>
-              <a:t>Metapo</a:t>
-            </a:r>
-            <a:r>
-              <a:rPr lang="zh-CN" altLang="en-US"/>
-              <a:t>的预览，首页有点像</a:t>
-            </a:r>
-            <a:r>
-              <a:rPr lang="en-US" altLang="zh-CN"/>
-              <a:t>google</a:t>
-            </a:r>
-            <a:r>
-              <a:rPr lang="zh-CN" altLang="en-US"/>
-              <a:t>，用来搜索帖子。每个帖子是一个</a:t>
-            </a:r>
-            <a:r>
-              <a:rPr lang="en-US" altLang="zh-CN"/>
-              <a:t>NFT</a:t>
-            </a:r>
-            <a:r>
-              <a:rPr lang="zh-CN" altLang="en-US"/>
-              <a:t>，由用户铸造，</a:t>
-            </a:r>
-            <a:r>
-              <a:rPr lang="en-US" altLang="zh-CN"/>
-              <a:t>Mirror</a:t>
-            </a:r>
-            <a:r>
-              <a:rPr lang="zh-CN" altLang="en-US"/>
-              <a:t>把这样的帖子叫做</a:t>
-            </a:r>
-            <a:r>
-              <a:rPr lang="en-US" altLang="zh-CN"/>
-              <a:t>Entry</a:t>
-            </a:r>
-            <a:r>
-              <a:rPr lang="zh-CN" altLang="en-US"/>
-              <a:t>，好吧，那我们也这么叫。排名是按照热度值排的，热度即曝光量。由于热度值是在智能合约里计算出来的，所以唯一能改变热度值的办法就是用户点击喜欢按钮，下面我将详细介绍这种算法。</a:t>
-            </a:r>
-            <a:endParaRPr lang="zh-CN" altLang="en-US"/>
-          </a:p>
-          <a:p>
-            <a:r>
-              <a:rPr lang="zh-CN" altLang="en-US"/>
-              <a:t>This is a preview of Metapo, </a:t>
-            </a:r>
-            <a:endParaRPr lang="zh-CN" altLang="en-US"/>
-          </a:p>
-          <a:p>
-            <a:r>
-              <a:rPr lang="zh-CN" altLang="en-US"/>
-              <a:t>the homepage </a:t>
-            </a:r>
-            <a:r>
-              <a:rPr lang="en-US" altLang="zh-CN"/>
-              <a:t>looks</a:t>
-            </a:r>
-            <a:r>
-              <a:rPr lang="zh-CN" altLang="en-US"/>
-              <a:t> like google for searching posts. </a:t>
-            </a:r>
-            <a:endParaRPr lang="zh-CN" altLang="en-US"/>
-          </a:p>
-          <a:p>
-            <a:r>
-              <a:rPr lang="zh-CN" altLang="en-US"/>
-              <a:t>Each post is an NFT, minted by user, Mirror calls such a post an Entry, well, then we call it that too. </a:t>
-            </a:r>
-            <a:endParaRPr lang="zh-CN" altLang="en-US"/>
-          </a:p>
-          <a:p>
-            <a:r>
-              <a:rPr lang="zh-CN" altLang="en-US"/>
-              <a:t>The ranking </a:t>
-            </a:r>
-            <a:r>
-              <a:rPr lang="en-US" altLang="zh-CN"/>
-              <a:t>sorts by</a:t>
-            </a:r>
-            <a:r>
-              <a:rPr lang="zh-CN" altLang="en-US"/>
-              <a:t> the </a:t>
-            </a:r>
-            <a:r>
-              <a:rPr lang="en-US" altLang="zh-CN"/>
-              <a:t>Hot</a:t>
-            </a:r>
-            <a:r>
-              <a:rPr lang="zh-CN" altLang="en-US"/>
-              <a:t> value, </a:t>
-            </a:r>
-            <a:endParaRPr lang="zh-CN" altLang="en-US"/>
-          </a:p>
-          <a:p>
-            <a:r>
-              <a:rPr lang="en-US" altLang="zh-CN"/>
-              <a:t>Hot</a:t>
-            </a:r>
-            <a:r>
-              <a:rPr lang="zh-CN" altLang="en-US"/>
-              <a:t> is </a:t>
-            </a:r>
-            <a:r>
-              <a:rPr lang="en-US" altLang="zh-CN"/>
-              <a:t>e</a:t>
-            </a:r>
-            <a:r>
-              <a:rPr lang="zh-CN" altLang="en-US"/>
-              <a:t>xposure</a:t>
-            </a:r>
-            <a:r>
-              <a:rPr lang="en-US" altLang="zh-CN"/>
-              <a:t>,</a:t>
-            </a:r>
-            <a:r>
-              <a:rPr lang="zh-CN" altLang="en-US"/>
-              <a:t> </a:t>
-            </a:r>
-            <a:r>
-              <a:rPr lang="en-US"/>
-              <a:t>which</a:t>
-            </a:r>
-            <a:r>
-              <a:rPr lang="zh-CN" altLang="en-US"/>
-              <a:t> is calculated in the smart contract, </a:t>
-            </a:r>
-            <a:endParaRPr lang="zh-CN" altLang="en-US"/>
-          </a:p>
-          <a:p>
-            <a:r>
-              <a:rPr lang="en-US" altLang="zh-CN"/>
-              <a:t>so </a:t>
-            </a:r>
-            <a:r>
-              <a:rPr lang="zh-CN" altLang="en-US"/>
-              <a:t>the only way to change the </a:t>
-            </a:r>
-            <a:r>
-              <a:rPr lang="en-US" altLang="zh-CN"/>
-              <a:t>Hot </a:t>
-            </a:r>
-            <a:r>
-              <a:rPr lang="zh-CN" altLang="en-US"/>
-              <a:t>is </a:t>
-            </a:r>
-            <a:r>
-              <a:rPr lang="en-US" altLang="zh-CN"/>
-              <a:t>pressing</a:t>
-            </a:r>
-            <a:r>
-              <a:rPr lang="zh-CN" altLang="en-US"/>
-              <a:t> the </a:t>
-            </a:r>
-            <a:r>
-              <a:rPr lang="en-US" altLang="zh-CN"/>
-              <a:t>L</a:t>
-            </a:r>
-            <a:r>
-              <a:rPr lang="zh-CN" altLang="en-US"/>
-              <a:t>ike button. </a:t>
-            </a:r>
-            <a:endParaRPr lang="zh-CN" altLang="en-US"/>
-          </a:p>
-          <a:p>
-            <a:r>
-              <a:rPr lang="zh-CN" altLang="en-US"/>
-              <a:t>I will introduce this algorithm in detail below.</a:t>
-            </a:r>
             <a:endParaRPr lang="zh-CN" altLang="en-US"/>
           </a:p>
         </p:txBody>
@@ -882,179 +639,6 @@
         <p:txBody>
           <a:bodyPr/>
           <a:p>
-            <a:r>
-              <a:rPr lang="zh-CN" altLang="en-US"/>
-              <a:t>这是</a:t>
-            </a:r>
-            <a:r>
-              <a:rPr lang="en-US" altLang="zh-CN"/>
-              <a:t>Metapo</a:t>
-            </a:r>
-            <a:r>
-              <a:rPr lang="zh-CN" altLang="en-US"/>
-              <a:t>的预览，首页有点像</a:t>
-            </a:r>
-            <a:r>
-              <a:rPr lang="en-US" altLang="zh-CN"/>
-              <a:t>google</a:t>
-            </a:r>
-            <a:r>
-              <a:rPr lang="zh-CN" altLang="en-US"/>
-              <a:t>，用来搜索帖子。每个帖子是一个</a:t>
-            </a:r>
-            <a:r>
-              <a:rPr lang="en-US" altLang="zh-CN"/>
-              <a:t>NFT</a:t>
-            </a:r>
-            <a:r>
-              <a:rPr lang="zh-CN" altLang="en-US"/>
-              <a:t>，由用户铸造，</a:t>
-            </a:r>
-            <a:r>
-              <a:rPr lang="en-US" altLang="zh-CN"/>
-              <a:t>Mirror</a:t>
-            </a:r>
-            <a:r>
-              <a:rPr lang="zh-CN" altLang="en-US"/>
-              <a:t>把这样的帖子叫做</a:t>
-            </a:r>
-            <a:r>
-              <a:rPr lang="en-US" altLang="zh-CN"/>
-              <a:t>Entry</a:t>
-            </a:r>
-            <a:r>
-              <a:rPr lang="zh-CN" altLang="en-US"/>
-              <a:t>，好吧，那我们也这么叫。排名是按照热度值排的，热度即曝光量。由于热度值是在智能合约里计算出来的，所以唯一能改变热度值的办法就是用户点击喜欢按钮，下面我将详细介绍这种算法。</a:t>
-            </a:r>
-            <a:endParaRPr lang="zh-CN" altLang="en-US"/>
-          </a:p>
-          <a:p>
-            <a:r>
-              <a:rPr lang="zh-CN" altLang="en-US"/>
-              <a:t>This is a preview of Metapo, </a:t>
-            </a:r>
-            <a:endParaRPr lang="zh-CN" altLang="en-US"/>
-          </a:p>
-          <a:p>
-            <a:r>
-              <a:rPr lang="zh-CN" altLang="en-US"/>
-              <a:t>the homepage </a:t>
-            </a:r>
-            <a:r>
-              <a:rPr lang="en-US" altLang="zh-CN"/>
-              <a:t>looks</a:t>
-            </a:r>
-            <a:r>
-              <a:rPr lang="zh-CN" altLang="en-US"/>
-              <a:t> like google for searching posts. </a:t>
-            </a:r>
-            <a:endParaRPr lang="zh-CN" altLang="en-US"/>
-          </a:p>
-          <a:p>
-            <a:r>
-              <a:rPr lang="zh-CN" altLang="en-US"/>
-              <a:t>Each post is an NFT, minted by user, Mirror calls such a post an Entry, well, then we call it that too. </a:t>
-            </a:r>
-            <a:endParaRPr lang="zh-CN" altLang="en-US"/>
-          </a:p>
-          <a:p>
-            <a:r>
-              <a:rPr lang="zh-CN" altLang="en-US"/>
-              <a:t>The ranking </a:t>
-            </a:r>
-            <a:r>
-              <a:rPr lang="en-US" altLang="zh-CN"/>
-              <a:t>sorts by</a:t>
-            </a:r>
-            <a:r>
-              <a:rPr lang="zh-CN" altLang="en-US"/>
-              <a:t> the </a:t>
-            </a:r>
-            <a:r>
-              <a:rPr lang="en-US" altLang="zh-CN"/>
-              <a:t>Hot</a:t>
-            </a:r>
-            <a:r>
-              <a:rPr lang="zh-CN" altLang="en-US"/>
-              <a:t> value, </a:t>
-            </a:r>
-            <a:endParaRPr lang="zh-CN" altLang="en-US"/>
-          </a:p>
-          <a:p>
-            <a:r>
-              <a:rPr lang="en-US" altLang="zh-CN"/>
-              <a:t>Hot</a:t>
-            </a:r>
-            <a:r>
-              <a:rPr lang="zh-CN" altLang="en-US"/>
-              <a:t> is </a:t>
-            </a:r>
-            <a:r>
-              <a:rPr lang="en-US" altLang="zh-CN"/>
-              <a:t>e</a:t>
-            </a:r>
-            <a:r>
-              <a:rPr lang="zh-CN" altLang="en-US"/>
-              <a:t>xposure</a:t>
-            </a:r>
-            <a:r>
-              <a:rPr lang="en-US" altLang="zh-CN"/>
-              <a:t>,</a:t>
-            </a:r>
-            <a:r>
-              <a:rPr lang="zh-CN" altLang="en-US"/>
-              <a:t> </a:t>
-            </a:r>
-            <a:r>
-              <a:rPr lang="en-US"/>
-              <a:t>which</a:t>
-            </a:r>
-            <a:r>
-              <a:rPr lang="zh-CN" altLang="en-US"/>
-              <a:t> is calculated in the smart contract, </a:t>
-            </a:r>
-            <a:endParaRPr lang="zh-CN" altLang="en-US"/>
-          </a:p>
-          <a:p>
-            <a:r>
-              <a:rPr lang="en-US" altLang="zh-CN"/>
-              <a:t>so </a:t>
-            </a:r>
-            <a:r>
-              <a:rPr lang="zh-CN" altLang="en-US"/>
-              <a:t>the only way to change the </a:t>
-            </a:r>
-            <a:r>
-              <a:rPr lang="en-US" altLang="zh-CN"/>
-              <a:t>Hot </a:t>
-            </a:r>
-            <a:r>
-              <a:rPr lang="zh-CN" altLang="en-US"/>
-              <a:t>is </a:t>
-            </a:r>
-            <a:r>
-              <a:rPr lang="en-US" altLang="zh-CN"/>
-              <a:t>pressing</a:t>
-            </a:r>
-            <a:r>
-              <a:rPr lang="zh-CN" altLang="en-US"/>
-              <a:t> the </a:t>
-            </a:r>
-            <a:r>
-              <a:rPr lang="en-US" altLang="zh-CN"/>
-              <a:t>L</a:t>
-            </a:r>
-            <a:r>
-              <a:rPr lang="zh-CN" altLang="en-US"/>
-              <a:t>ike button. </a:t>
-            </a:r>
-            <a:endParaRPr lang="zh-CN" altLang="en-US"/>
-          </a:p>
-          <a:p>
-            <a:r>
-              <a:rPr lang="zh-CN" altLang="en-US"/>
-              <a:t>I will introduce this algorithm in detail below.</a:t>
-            </a:r>
             <a:endParaRPr lang="zh-CN" altLang="en-US"/>
           </a:p>
         </p:txBody>
@@ -1099,179 +683,6 @@
         <p:txBody>
           <a:bodyPr/>
           <a:p>
-            <a:r>
-              <a:rPr lang="zh-CN" altLang="en-US"/>
-              <a:t>这是</a:t>
-            </a:r>
-            <a:r>
-              <a:rPr lang="en-US" altLang="zh-CN"/>
-              <a:t>Metapo</a:t>
-            </a:r>
-            <a:r>
-              <a:rPr lang="zh-CN" altLang="en-US"/>
-              <a:t>的预览，首页有点像</a:t>
-            </a:r>
-            <a:r>
-              <a:rPr lang="en-US" altLang="zh-CN"/>
-              <a:t>google</a:t>
-            </a:r>
-            <a:r>
-              <a:rPr lang="zh-CN" altLang="en-US"/>
-              <a:t>，用来搜索帖子。每个帖子是一个</a:t>
-            </a:r>
-            <a:r>
-              <a:rPr lang="en-US" altLang="zh-CN"/>
-              <a:t>NFT</a:t>
-            </a:r>
-            <a:r>
-              <a:rPr lang="zh-CN" altLang="en-US"/>
-              <a:t>，由用户铸造，</a:t>
-            </a:r>
-            <a:r>
-              <a:rPr lang="en-US" altLang="zh-CN"/>
-              <a:t>Mirror</a:t>
-            </a:r>
-            <a:r>
-              <a:rPr lang="zh-CN" altLang="en-US"/>
-              <a:t>把这样的帖子叫做</a:t>
-            </a:r>
-            <a:r>
-              <a:rPr lang="en-US" altLang="zh-CN"/>
-              <a:t>Entry</a:t>
-            </a:r>
-            <a:r>
-              <a:rPr lang="zh-CN" altLang="en-US"/>
-              <a:t>，好吧，那我们也这么叫。排名是按照热度值排的，热度即曝光量。由于热度值是在智能合约里计算出来的，所以唯一能改变热度值的办法就是用户点击喜欢按钮，下面我将详细介绍这种算法。</a:t>
-            </a:r>
-            <a:endParaRPr lang="zh-CN" altLang="en-US"/>
-          </a:p>
-          <a:p>
-            <a:r>
-              <a:rPr lang="zh-CN" altLang="en-US"/>
-              <a:t>This is a preview of Metapo, </a:t>
-            </a:r>
-            <a:endParaRPr lang="zh-CN" altLang="en-US"/>
-          </a:p>
-          <a:p>
-            <a:r>
-              <a:rPr lang="zh-CN" altLang="en-US"/>
-              <a:t>the homepage </a:t>
-            </a:r>
-            <a:r>
-              <a:rPr lang="en-US" altLang="zh-CN"/>
-              <a:t>looks</a:t>
-            </a:r>
-            <a:r>
-              <a:rPr lang="zh-CN" altLang="en-US"/>
-              <a:t> like google for searching posts. </a:t>
-            </a:r>
-            <a:endParaRPr lang="zh-CN" altLang="en-US"/>
-          </a:p>
-          <a:p>
-            <a:r>
-              <a:rPr lang="zh-CN" altLang="en-US"/>
-              <a:t>Each post is an NFT, minted by user, Mirror calls such a post an Entry, well, then we call it that too. </a:t>
-            </a:r>
-            <a:endParaRPr lang="zh-CN" altLang="en-US"/>
-          </a:p>
-          <a:p>
-            <a:r>
-              <a:rPr lang="zh-CN" altLang="en-US"/>
-              <a:t>The ranking </a:t>
-            </a:r>
-            <a:r>
-              <a:rPr lang="en-US" altLang="zh-CN"/>
-              <a:t>sorts by</a:t>
-            </a:r>
-            <a:r>
-              <a:rPr lang="zh-CN" altLang="en-US"/>
-              <a:t> the </a:t>
-            </a:r>
-            <a:r>
-              <a:rPr lang="en-US" altLang="zh-CN"/>
-              <a:t>Hot</a:t>
-            </a:r>
-            <a:r>
-              <a:rPr lang="zh-CN" altLang="en-US"/>
-              <a:t> value, </a:t>
-            </a:r>
-            <a:endParaRPr lang="zh-CN" altLang="en-US"/>
-          </a:p>
-          <a:p>
-            <a:r>
-              <a:rPr lang="en-US" altLang="zh-CN"/>
-              <a:t>Hot</a:t>
-            </a:r>
-            <a:r>
-              <a:rPr lang="zh-CN" altLang="en-US"/>
-              <a:t> is </a:t>
-            </a:r>
-            <a:r>
-              <a:rPr lang="en-US" altLang="zh-CN"/>
-              <a:t>e</a:t>
-            </a:r>
-            <a:r>
-              <a:rPr lang="zh-CN" altLang="en-US"/>
-              <a:t>xposure</a:t>
-            </a:r>
-            <a:r>
-              <a:rPr lang="en-US" altLang="zh-CN"/>
-              <a:t>,</a:t>
-            </a:r>
-            <a:r>
-              <a:rPr lang="zh-CN" altLang="en-US"/>
-              <a:t> </a:t>
-            </a:r>
-            <a:r>
-              <a:rPr lang="en-US"/>
-              <a:t>which</a:t>
-            </a:r>
-            <a:r>
-              <a:rPr lang="zh-CN" altLang="en-US"/>
-              <a:t> is calculated in the smart contract, </a:t>
-            </a:r>
-            <a:endParaRPr lang="zh-CN" altLang="en-US"/>
-          </a:p>
-          <a:p>
-            <a:r>
-              <a:rPr lang="en-US" altLang="zh-CN"/>
-              <a:t>so </a:t>
-            </a:r>
-            <a:r>
-              <a:rPr lang="zh-CN" altLang="en-US"/>
-              <a:t>the only way to change the </a:t>
-            </a:r>
-            <a:r>
-              <a:rPr lang="en-US" altLang="zh-CN"/>
-              <a:t>Hot </a:t>
-            </a:r>
-            <a:r>
-              <a:rPr lang="zh-CN" altLang="en-US"/>
-              <a:t>is </a:t>
-            </a:r>
-            <a:r>
-              <a:rPr lang="en-US" altLang="zh-CN"/>
-              <a:t>pressing</a:t>
-            </a:r>
-            <a:r>
-              <a:rPr lang="zh-CN" altLang="en-US"/>
-              <a:t> the </a:t>
-            </a:r>
-            <a:r>
-              <a:rPr lang="en-US" altLang="zh-CN"/>
-              <a:t>L</a:t>
-            </a:r>
-            <a:r>
-              <a:rPr lang="zh-CN" altLang="en-US"/>
-              <a:t>ike button. </a:t>
-            </a:r>
-            <a:endParaRPr lang="zh-CN" altLang="en-US"/>
-          </a:p>
-          <a:p>
-            <a:r>
-              <a:rPr lang="zh-CN" altLang="en-US"/>
-              <a:t>I will introduce this algorithm in detail below.</a:t>
-            </a:r>
             <a:endParaRPr lang="zh-CN" altLang="en-US"/>
           </a:p>
         </p:txBody>
@@ -1316,179 +727,6 @@
         <p:txBody>
           <a:bodyPr/>
           <a:p>
-            <a:r>
-              <a:rPr lang="zh-CN" altLang="en-US"/>
-              <a:t>这是</a:t>
-            </a:r>
-            <a:r>
-              <a:rPr lang="en-US" altLang="zh-CN"/>
-              <a:t>Metapo</a:t>
-            </a:r>
-            <a:r>
-              <a:rPr lang="zh-CN" altLang="en-US"/>
-              <a:t>的预览，首页有点像</a:t>
-            </a:r>
-            <a:r>
-              <a:rPr lang="en-US" altLang="zh-CN"/>
-              <a:t>google</a:t>
-            </a:r>
-            <a:r>
-              <a:rPr lang="zh-CN" altLang="en-US"/>
-              <a:t>，用来搜索帖子。每个帖子是一个</a:t>
-            </a:r>
-            <a:r>
-              <a:rPr lang="en-US" altLang="zh-CN"/>
-              <a:t>NFT</a:t>
-            </a:r>
-            <a:r>
-              <a:rPr lang="zh-CN" altLang="en-US"/>
-              <a:t>，由用户铸造，</a:t>
-            </a:r>
-            <a:r>
-              <a:rPr lang="en-US" altLang="zh-CN"/>
-              <a:t>Mirror</a:t>
-            </a:r>
-            <a:r>
-              <a:rPr lang="zh-CN" altLang="en-US"/>
-              <a:t>把这样的帖子叫做</a:t>
-            </a:r>
-            <a:r>
-              <a:rPr lang="en-US" altLang="zh-CN"/>
-              <a:t>Entry</a:t>
-            </a:r>
-            <a:r>
-              <a:rPr lang="zh-CN" altLang="en-US"/>
-              <a:t>，好吧，那我们也这么叫。排名是按照热度值排的，热度即曝光量。由于热度值是在智能合约里计算出来的，所以唯一能改变热度值的办法就是用户点击喜欢按钮，下面我将详细介绍这种算法。</a:t>
-            </a:r>
-            <a:endParaRPr lang="zh-CN" altLang="en-US"/>
-          </a:p>
-          <a:p>
-            <a:r>
-              <a:rPr lang="zh-CN" altLang="en-US"/>
-              <a:t>This is a preview of Metapo, </a:t>
-            </a:r>
-            <a:endParaRPr lang="zh-CN" altLang="en-US"/>
-          </a:p>
-          <a:p>
-            <a:r>
-              <a:rPr lang="zh-CN" altLang="en-US"/>
-              <a:t>the homepage </a:t>
-            </a:r>
-            <a:r>
-              <a:rPr lang="en-US" altLang="zh-CN"/>
-              <a:t>looks</a:t>
-            </a:r>
-            <a:r>
-              <a:rPr lang="zh-CN" altLang="en-US"/>
-              <a:t> like google for searching posts. </a:t>
-            </a:r>
-            <a:endParaRPr lang="zh-CN" altLang="en-US"/>
-          </a:p>
-          <a:p>
-            <a:r>
-              <a:rPr lang="zh-CN" altLang="en-US"/>
-              <a:t>Each post is an NFT, minted by user, Mirror calls such a post an Entry, well, then we call it that too. </a:t>
-            </a:r>
-            <a:endParaRPr lang="zh-CN" altLang="en-US"/>
-          </a:p>
-          <a:p>
-            <a:r>
-              <a:rPr lang="zh-CN" altLang="en-US"/>
-              <a:t>The ranking </a:t>
-            </a:r>
-            <a:r>
-              <a:rPr lang="en-US" altLang="zh-CN"/>
-              <a:t>sorts by</a:t>
-            </a:r>
-            <a:r>
-              <a:rPr lang="zh-CN" altLang="en-US"/>
-              <a:t> the </a:t>
-            </a:r>
-            <a:r>
-              <a:rPr lang="en-US" altLang="zh-CN"/>
-              <a:t>Hot</a:t>
-            </a:r>
-            <a:r>
-              <a:rPr lang="zh-CN" altLang="en-US"/>
-              <a:t> value, </a:t>
-            </a:r>
-            <a:endParaRPr lang="zh-CN" altLang="en-US"/>
-          </a:p>
-          <a:p>
-            <a:r>
-              <a:rPr lang="en-US" altLang="zh-CN"/>
-              <a:t>Hot</a:t>
-            </a:r>
-            <a:r>
-              <a:rPr lang="zh-CN" altLang="en-US"/>
-              <a:t> is </a:t>
-            </a:r>
-            <a:r>
-              <a:rPr lang="en-US" altLang="zh-CN"/>
-              <a:t>e</a:t>
-            </a:r>
-            <a:r>
-              <a:rPr lang="zh-CN" altLang="en-US"/>
-              <a:t>xposure</a:t>
-            </a:r>
-            <a:r>
-              <a:rPr lang="en-US" altLang="zh-CN"/>
-              <a:t>,</a:t>
-            </a:r>
-            <a:r>
-              <a:rPr lang="zh-CN" altLang="en-US"/>
-              <a:t> </a:t>
-            </a:r>
-            <a:r>
-              <a:rPr lang="en-US"/>
-              <a:t>which</a:t>
-            </a:r>
-            <a:r>
-              <a:rPr lang="zh-CN" altLang="en-US"/>
-              <a:t> is calculated in the smart contract, </a:t>
-            </a:r>
-            <a:endParaRPr lang="zh-CN" altLang="en-US"/>
-          </a:p>
-          <a:p>
-            <a:r>
-              <a:rPr lang="en-US" altLang="zh-CN"/>
-              <a:t>so </a:t>
-            </a:r>
-            <a:r>
-              <a:rPr lang="zh-CN" altLang="en-US"/>
-              <a:t>the only way to change the </a:t>
-            </a:r>
-            <a:r>
-              <a:rPr lang="en-US" altLang="zh-CN"/>
-              <a:t>Hot </a:t>
-            </a:r>
-            <a:r>
-              <a:rPr lang="zh-CN" altLang="en-US"/>
-              <a:t>is </a:t>
-            </a:r>
-            <a:r>
-              <a:rPr lang="en-US" altLang="zh-CN"/>
-              <a:t>pressing</a:t>
-            </a:r>
-            <a:r>
-              <a:rPr lang="zh-CN" altLang="en-US"/>
-              <a:t> the </a:t>
-            </a:r>
-            <a:r>
-              <a:rPr lang="en-US" altLang="zh-CN"/>
-              <a:t>L</a:t>
-            </a:r>
-            <a:r>
-              <a:rPr lang="zh-CN" altLang="en-US"/>
-              <a:t>ike button. </a:t>
-            </a:r>
-            <a:endParaRPr lang="zh-CN" altLang="en-US"/>
-          </a:p>
-          <a:p>
-            <a:r>
-              <a:rPr lang="zh-CN" altLang="en-US"/>
-              <a:t>I will introduce this algorithm in detail below.</a:t>
-            </a:r>
             <a:endParaRPr lang="zh-CN" altLang="en-US"/>
           </a:p>
         </p:txBody>
@@ -1533,179 +771,6 @@
         <p:txBody>
           <a:bodyPr/>
           <a:p>
-            <a:r>
-              <a:rPr lang="zh-CN" altLang="en-US"/>
-              <a:t>这是</a:t>
-            </a:r>
-            <a:r>
-              <a:rPr lang="en-US" altLang="zh-CN"/>
-              <a:t>Metapo</a:t>
-            </a:r>
-            <a:r>
-              <a:rPr lang="zh-CN" altLang="en-US"/>
-              <a:t>的预览，首页有点像</a:t>
-            </a:r>
-            <a:r>
-              <a:rPr lang="en-US" altLang="zh-CN"/>
-              <a:t>google</a:t>
-            </a:r>
-            <a:r>
-              <a:rPr lang="zh-CN" altLang="en-US"/>
-              <a:t>，用来搜索帖子。每个帖子是一个</a:t>
-            </a:r>
-            <a:r>
-              <a:rPr lang="en-US" altLang="zh-CN"/>
-              <a:t>NFT</a:t>
-            </a:r>
-            <a:r>
-              <a:rPr lang="zh-CN" altLang="en-US"/>
-              <a:t>，由用户铸造，</a:t>
-            </a:r>
-            <a:r>
-              <a:rPr lang="en-US" altLang="zh-CN"/>
-              <a:t>Mirror</a:t>
-            </a:r>
-            <a:r>
-              <a:rPr lang="zh-CN" altLang="en-US"/>
-              <a:t>把这样的帖子叫做</a:t>
-            </a:r>
-            <a:r>
-              <a:rPr lang="en-US" altLang="zh-CN"/>
-              <a:t>Entry</a:t>
-            </a:r>
-            <a:r>
-              <a:rPr lang="zh-CN" altLang="en-US"/>
-              <a:t>，好吧，那我们也这么叫。排名是按照热度值排的，热度即曝光量。由于热度值是在智能合约里计算出来的，所以唯一能改变热度值的办法就是用户点击喜欢按钮，下面我将详细介绍这种算法。</a:t>
-            </a:r>
-            <a:endParaRPr lang="zh-CN" altLang="en-US"/>
-          </a:p>
-          <a:p>
-            <a:r>
-              <a:rPr lang="zh-CN" altLang="en-US"/>
-              <a:t>This is a preview of Metapo, </a:t>
-            </a:r>
-            <a:endParaRPr lang="zh-CN" altLang="en-US"/>
-          </a:p>
-          <a:p>
-            <a:r>
-              <a:rPr lang="zh-CN" altLang="en-US"/>
-              <a:t>the homepage </a:t>
-            </a:r>
-            <a:r>
-              <a:rPr lang="en-US" altLang="zh-CN"/>
-              <a:t>looks</a:t>
-            </a:r>
-            <a:r>
-              <a:rPr lang="zh-CN" altLang="en-US"/>
-              <a:t> like google for searching posts. </a:t>
-            </a:r>
-            <a:endParaRPr lang="zh-CN" altLang="en-US"/>
-          </a:p>
-          <a:p>
-            <a:r>
-              <a:rPr lang="zh-CN" altLang="en-US"/>
-              <a:t>Each post is an NFT, minted by user, Mirror calls such a post an Entry, well, then we call it that too. </a:t>
-            </a:r>
-            <a:endParaRPr lang="zh-CN" altLang="en-US"/>
-          </a:p>
-          <a:p>
-            <a:r>
-              <a:rPr lang="zh-CN" altLang="en-US"/>
-              <a:t>The ranking </a:t>
-            </a:r>
-            <a:r>
-              <a:rPr lang="en-US" altLang="zh-CN"/>
-              <a:t>sorts by</a:t>
-            </a:r>
-            <a:r>
-              <a:rPr lang="zh-CN" altLang="en-US"/>
-              <a:t> the </a:t>
-            </a:r>
-            <a:r>
-              <a:rPr lang="en-US" altLang="zh-CN"/>
-              <a:t>Hot</a:t>
-            </a:r>
-            <a:r>
-              <a:rPr lang="zh-CN" altLang="en-US"/>
-              <a:t> value, </a:t>
-            </a:r>
-            <a:endParaRPr lang="zh-CN" altLang="en-US"/>
-          </a:p>
-          <a:p>
-            <a:r>
-              <a:rPr lang="en-US" altLang="zh-CN"/>
-              <a:t>Hot</a:t>
-            </a:r>
-            <a:r>
-              <a:rPr lang="zh-CN" altLang="en-US"/>
-              <a:t> is </a:t>
-            </a:r>
-            <a:r>
-              <a:rPr lang="en-US" altLang="zh-CN"/>
-              <a:t>e</a:t>
-            </a:r>
-            <a:r>
-              <a:rPr lang="zh-CN" altLang="en-US"/>
-              <a:t>xposure</a:t>
-            </a:r>
-            <a:r>
-              <a:rPr lang="en-US" altLang="zh-CN"/>
-              <a:t>,</a:t>
-            </a:r>
-            <a:r>
-              <a:rPr lang="zh-CN" altLang="en-US"/>
-              <a:t> </a:t>
-            </a:r>
-            <a:r>
-              <a:rPr lang="en-US"/>
-              <a:t>which</a:t>
-            </a:r>
-            <a:r>
-              <a:rPr lang="zh-CN" altLang="en-US"/>
-              <a:t> is calculated in the smart contract, </a:t>
-            </a:r>
-            <a:endParaRPr lang="zh-CN" altLang="en-US"/>
-          </a:p>
-          <a:p>
-            <a:r>
-              <a:rPr lang="en-US" altLang="zh-CN"/>
-              <a:t>so </a:t>
-            </a:r>
-            <a:r>
-              <a:rPr lang="zh-CN" altLang="en-US"/>
-              <a:t>the only way to change the </a:t>
-            </a:r>
-            <a:r>
-              <a:rPr lang="en-US" altLang="zh-CN"/>
-              <a:t>Hot </a:t>
-            </a:r>
-            <a:r>
-              <a:rPr lang="zh-CN" altLang="en-US"/>
-              <a:t>is </a:t>
-            </a:r>
-            <a:r>
-              <a:rPr lang="en-US" altLang="zh-CN"/>
-              <a:t>pressing</a:t>
-            </a:r>
-            <a:r>
-              <a:rPr lang="zh-CN" altLang="en-US"/>
-              <a:t> the </a:t>
-            </a:r>
-            <a:r>
-              <a:rPr lang="en-US" altLang="zh-CN"/>
-              <a:t>L</a:t>
-            </a:r>
-            <a:r>
-              <a:rPr lang="zh-CN" altLang="en-US"/>
-              <a:t>ike button. </a:t>
-            </a:r>
-            <a:endParaRPr lang="zh-CN" altLang="en-US"/>
-          </a:p>
-          <a:p>
-            <a:r>
-              <a:rPr lang="zh-CN" altLang="en-US"/>
-              <a:t>I will introduce this algorithm in detail below.</a:t>
-            </a:r>
             <a:endParaRPr lang="zh-CN" altLang="en-US"/>
           </a:p>
         </p:txBody>
@@ -1750,179 +815,6 @@
         <p:txBody>
           <a:bodyPr/>
           <a:p>
-            <a:r>
-              <a:rPr lang="zh-CN" altLang="en-US"/>
-              <a:t>这是</a:t>
-            </a:r>
-            <a:r>
-              <a:rPr lang="en-US" altLang="zh-CN"/>
-              <a:t>Metapo</a:t>
-            </a:r>
-            <a:r>
-              <a:rPr lang="zh-CN" altLang="en-US"/>
-              <a:t>的预览，首页有点像</a:t>
-            </a:r>
-            <a:r>
-              <a:rPr lang="en-US" altLang="zh-CN"/>
-              <a:t>google</a:t>
-            </a:r>
-            <a:r>
-              <a:rPr lang="zh-CN" altLang="en-US"/>
-              <a:t>，用来搜索帖子。每个帖子是一个</a:t>
-            </a:r>
-            <a:r>
-              <a:rPr lang="en-US" altLang="zh-CN"/>
-              <a:t>NFT</a:t>
-            </a:r>
-            <a:r>
-              <a:rPr lang="zh-CN" altLang="en-US"/>
-              <a:t>，由用户铸造，</a:t>
-            </a:r>
-            <a:r>
-              <a:rPr lang="en-US" altLang="zh-CN"/>
-              <a:t>Mirror</a:t>
-            </a:r>
-            <a:r>
-              <a:rPr lang="zh-CN" altLang="en-US"/>
-              <a:t>把这样的帖子叫做</a:t>
-            </a:r>
-            <a:r>
-              <a:rPr lang="en-US" altLang="zh-CN"/>
-              <a:t>Entry</a:t>
-            </a:r>
-            <a:r>
-              <a:rPr lang="zh-CN" altLang="en-US"/>
-              <a:t>，好吧，那我们也这么叫。排名是按照热度值排的，热度即曝光量。由于热度值是在智能合约里计算出来的，所以唯一能改变热度值的办法就是用户点击喜欢按钮，下面我将详细介绍这种算法。</a:t>
-            </a:r>
-            <a:endParaRPr lang="zh-CN" altLang="en-US"/>
-          </a:p>
-          <a:p>
-            <a:r>
-              <a:rPr lang="zh-CN" altLang="en-US"/>
-              <a:t>This is a preview of Metapo, </a:t>
-            </a:r>
-            <a:endParaRPr lang="zh-CN" altLang="en-US"/>
-          </a:p>
-          <a:p>
-            <a:r>
-              <a:rPr lang="zh-CN" altLang="en-US"/>
-              <a:t>the homepage </a:t>
-            </a:r>
-            <a:r>
-              <a:rPr lang="en-US" altLang="zh-CN"/>
-              <a:t>looks</a:t>
-            </a:r>
-            <a:r>
-              <a:rPr lang="zh-CN" altLang="en-US"/>
-              <a:t> like google for searching posts. </a:t>
-            </a:r>
-            <a:endParaRPr lang="zh-CN" altLang="en-US"/>
-          </a:p>
-          <a:p>
-            <a:r>
-              <a:rPr lang="zh-CN" altLang="en-US"/>
-              <a:t>Each post is an NFT, minted by user, Mirror calls such a post an Entry, well, then we call it that too. </a:t>
-            </a:r>
-            <a:endParaRPr lang="zh-CN" altLang="en-US"/>
-          </a:p>
-          <a:p>
-            <a:r>
-              <a:rPr lang="zh-CN" altLang="en-US"/>
-              <a:t>The ranking </a:t>
-            </a:r>
-            <a:r>
-              <a:rPr lang="en-US" altLang="zh-CN"/>
-              <a:t>sorts by</a:t>
-            </a:r>
-            <a:r>
-              <a:rPr lang="zh-CN" altLang="en-US"/>
-              <a:t> the </a:t>
-            </a:r>
-            <a:r>
-              <a:rPr lang="en-US" altLang="zh-CN"/>
-              <a:t>Hot</a:t>
-            </a:r>
-            <a:r>
-              <a:rPr lang="zh-CN" altLang="en-US"/>
-              <a:t> value, </a:t>
-            </a:r>
-            <a:endParaRPr lang="zh-CN" altLang="en-US"/>
-          </a:p>
-          <a:p>
-            <a:r>
-              <a:rPr lang="en-US" altLang="zh-CN"/>
-              <a:t>Hot</a:t>
-            </a:r>
-            <a:r>
-              <a:rPr lang="zh-CN" altLang="en-US"/>
-              <a:t> is </a:t>
-            </a:r>
-            <a:r>
-              <a:rPr lang="en-US" altLang="zh-CN"/>
-              <a:t>e</a:t>
-            </a:r>
-            <a:r>
-              <a:rPr lang="zh-CN" altLang="en-US"/>
-              <a:t>xposure</a:t>
-            </a:r>
-            <a:r>
-              <a:rPr lang="en-US" altLang="zh-CN"/>
-              <a:t>,</a:t>
-            </a:r>
-            <a:r>
-              <a:rPr lang="zh-CN" altLang="en-US"/>
-              <a:t> </a:t>
-            </a:r>
-            <a:r>
-              <a:rPr lang="en-US"/>
-              <a:t>which</a:t>
-            </a:r>
-            <a:r>
-              <a:rPr lang="zh-CN" altLang="en-US"/>
-              <a:t> is calculated in the smart contract, </a:t>
-            </a:r>
-            <a:endParaRPr lang="zh-CN" altLang="en-US"/>
-          </a:p>
-          <a:p>
-            <a:r>
-              <a:rPr lang="en-US" altLang="zh-CN"/>
-              <a:t>so </a:t>
-            </a:r>
-            <a:r>
-              <a:rPr lang="zh-CN" altLang="en-US"/>
-              <a:t>the only way to change the </a:t>
-            </a:r>
-            <a:r>
-              <a:rPr lang="en-US" altLang="zh-CN"/>
-              <a:t>Hot </a:t>
-            </a:r>
-            <a:r>
-              <a:rPr lang="zh-CN" altLang="en-US"/>
-              <a:t>is </a:t>
-            </a:r>
-            <a:r>
-              <a:rPr lang="en-US" altLang="zh-CN"/>
-              <a:t>pressing</a:t>
-            </a:r>
-            <a:r>
-              <a:rPr lang="zh-CN" altLang="en-US"/>
-              <a:t> the </a:t>
-            </a:r>
-            <a:r>
-              <a:rPr lang="en-US" altLang="zh-CN"/>
-              <a:t>L</a:t>
-            </a:r>
-            <a:r>
-              <a:rPr lang="zh-CN" altLang="en-US"/>
-              <a:t>ike button. </a:t>
-            </a:r>
-            <a:endParaRPr lang="zh-CN" altLang="en-US"/>
-          </a:p>
-          <a:p>
-            <a:r>
-              <a:rPr lang="zh-CN" altLang="en-US"/>
-              <a:t>I will introduce this algorithm in detail below.</a:t>
-            </a:r>
             <a:endParaRPr lang="zh-CN" altLang="en-US"/>
           </a:p>
         </p:txBody>
@@ -1967,179 +859,6 @@
         <p:txBody>
           <a:bodyPr/>
           <a:p>
-            <a:r>
-              <a:rPr lang="zh-CN" altLang="en-US"/>
-              <a:t>这是</a:t>
-            </a:r>
-            <a:r>
-              <a:rPr lang="en-US" altLang="zh-CN"/>
-              <a:t>Metapo</a:t>
-            </a:r>
-            <a:r>
-              <a:rPr lang="zh-CN" altLang="en-US"/>
-              <a:t>的预览，首页有点像</a:t>
-            </a:r>
-            <a:r>
-              <a:rPr lang="en-US" altLang="zh-CN"/>
-              <a:t>google</a:t>
-            </a:r>
-            <a:r>
-              <a:rPr lang="zh-CN" altLang="en-US"/>
-              <a:t>，用来搜索帖子。每个帖子是一个</a:t>
-            </a:r>
-            <a:r>
-              <a:rPr lang="en-US" altLang="zh-CN"/>
-              <a:t>NFT</a:t>
-            </a:r>
-            <a:r>
-              <a:rPr lang="zh-CN" altLang="en-US"/>
-              <a:t>，由用户铸造，</a:t>
-            </a:r>
-            <a:r>
-              <a:rPr lang="en-US" altLang="zh-CN"/>
-              <a:t>Mirror</a:t>
-            </a:r>
-            <a:r>
-              <a:rPr lang="zh-CN" altLang="en-US"/>
-              <a:t>把这样的帖子叫做</a:t>
-            </a:r>
-            <a:r>
-              <a:rPr lang="en-US" altLang="zh-CN"/>
-              <a:t>Entry</a:t>
-            </a:r>
-            <a:r>
-              <a:rPr lang="zh-CN" altLang="en-US"/>
-              <a:t>，好吧，那我们也这么叫。排名是按照热度值排的，热度即曝光量。由于热度值是在智能合约里计算出来的，所以唯一能改变热度值的办法就是用户点击喜欢按钮，下面我将详细介绍这种算法。</a:t>
-            </a:r>
-            <a:endParaRPr lang="zh-CN" altLang="en-US"/>
-          </a:p>
-          <a:p>
-            <a:r>
-              <a:rPr lang="zh-CN" altLang="en-US"/>
-              <a:t>This is a preview of Metapo, </a:t>
-            </a:r>
-            <a:endParaRPr lang="zh-CN" altLang="en-US"/>
-          </a:p>
-          <a:p>
-            <a:r>
-              <a:rPr lang="zh-CN" altLang="en-US"/>
-              <a:t>the homepage </a:t>
-            </a:r>
-            <a:r>
-              <a:rPr lang="en-US" altLang="zh-CN"/>
-              <a:t>looks</a:t>
-            </a:r>
-            <a:r>
-              <a:rPr lang="zh-CN" altLang="en-US"/>
-              <a:t> like google for searching posts. </a:t>
-            </a:r>
-            <a:endParaRPr lang="zh-CN" altLang="en-US"/>
-          </a:p>
-          <a:p>
-            <a:r>
-              <a:rPr lang="zh-CN" altLang="en-US"/>
-              <a:t>Each post is an NFT, minted by user, Mirror calls such a post an Entry, well, then we call it that too. </a:t>
-            </a:r>
-            <a:endParaRPr lang="zh-CN" altLang="en-US"/>
-          </a:p>
-          <a:p>
-            <a:r>
-              <a:rPr lang="zh-CN" altLang="en-US"/>
-              <a:t>The ranking </a:t>
-            </a:r>
-            <a:r>
-              <a:rPr lang="en-US" altLang="zh-CN"/>
-              <a:t>sorts by</a:t>
-            </a:r>
-            <a:r>
-              <a:rPr lang="zh-CN" altLang="en-US"/>
-              <a:t> the </a:t>
-            </a:r>
-            <a:r>
-              <a:rPr lang="en-US" altLang="zh-CN"/>
-              <a:t>Hot</a:t>
-            </a:r>
-            <a:r>
-              <a:rPr lang="zh-CN" altLang="en-US"/>
-              <a:t> value, </a:t>
-            </a:r>
-            <a:endParaRPr lang="zh-CN" altLang="en-US"/>
-          </a:p>
-          <a:p>
-            <a:r>
-              <a:rPr lang="en-US" altLang="zh-CN"/>
-              <a:t>Hot</a:t>
-            </a:r>
-            <a:r>
-              <a:rPr lang="zh-CN" altLang="en-US"/>
-              <a:t> is </a:t>
-            </a:r>
-            <a:r>
-              <a:rPr lang="en-US" altLang="zh-CN"/>
-              <a:t>e</a:t>
-            </a:r>
-            <a:r>
-              <a:rPr lang="zh-CN" altLang="en-US"/>
-              <a:t>xposure</a:t>
-            </a:r>
-            <a:r>
-              <a:rPr lang="en-US" altLang="zh-CN"/>
-              <a:t>,</a:t>
-            </a:r>
-            <a:r>
-              <a:rPr lang="zh-CN" altLang="en-US"/>
-              <a:t> </a:t>
-            </a:r>
-            <a:r>
-              <a:rPr lang="en-US"/>
-              <a:t>which</a:t>
-            </a:r>
-            <a:r>
-              <a:rPr lang="zh-CN" altLang="en-US"/>
-              <a:t> is calculated in the smart contract, </a:t>
-            </a:r>
-            <a:endParaRPr lang="zh-CN" altLang="en-US"/>
-          </a:p>
-          <a:p>
-            <a:r>
-              <a:rPr lang="en-US" altLang="zh-CN"/>
-              <a:t>so </a:t>
-            </a:r>
-            <a:r>
-              <a:rPr lang="zh-CN" altLang="en-US"/>
-              <a:t>the only way to change the </a:t>
-            </a:r>
-            <a:r>
-              <a:rPr lang="en-US" altLang="zh-CN"/>
-              <a:t>Hot </a:t>
-            </a:r>
-            <a:r>
-              <a:rPr lang="zh-CN" altLang="en-US"/>
-              <a:t>is </a:t>
-            </a:r>
-            <a:r>
-              <a:rPr lang="en-US" altLang="zh-CN"/>
-              <a:t>pressing</a:t>
-            </a:r>
-            <a:r>
-              <a:rPr lang="zh-CN" altLang="en-US"/>
-              <a:t> the </a:t>
-            </a:r>
-            <a:r>
-              <a:rPr lang="en-US" altLang="zh-CN"/>
-              <a:t>L</a:t>
-            </a:r>
-            <a:r>
-              <a:rPr lang="zh-CN" altLang="en-US"/>
-              <a:t>ike button. </a:t>
-            </a:r>
-            <a:endParaRPr lang="zh-CN" altLang="en-US"/>
-          </a:p>
-          <a:p>
-            <a:r>
-              <a:rPr lang="zh-CN" altLang="en-US"/>
-              <a:t>I will introduce this algorithm in detail below.</a:t>
-            </a:r>
             <a:endParaRPr lang="zh-CN" altLang="en-US"/>
           </a:p>
         </p:txBody>
@@ -2184,102 +903,6 @@
         <p:txBody>
           <a:bodyPr/>
           <a:p>
-            <a:r>
-              <a:rPr lang="zh-CN" altLang="en-US"/>
-              <a:t>我们计划在今年上线，第一季也就是现在，是</a:t>
-            </a:r>
-            <a:r>
-              <a:rPr lang="en-US" altLang="zh-CN"/>
-              <a:t>POC</a:t>
-            </a:r>
-            <a:r>
-              <a:rPr lang="zh-CN" altLang="en-US"/>
-              <a:t>阶段，概念证明；第二季是开发测试阶段，需要更多的开发者；第三季度上线，希望一切顺利！</a:t>
-            </a:r>
-            <a:endParaRPr lang="zh-CN" altLang="en-US"/>
-          </a:p>
-          <a:p>
-            <a:r>
-              <a:rPr lang="zh-CN" altLang="en-US"/>
-              <a:t>We plan to launch this year, </a:t>
-            </a:r>
-            <a:endParaRPr lang="zh-CN" altLang="en-US"/>
-          </a:p>
-          <a:p>
-            <a:r>
-              <a:rPr lang="en-US" altLang="zh-CN"/>
-              <a:t>season 1</a:t>
-            </a:r>
-            <a:r>
-              <a:rPr lang="zh-CN" altLang="en-US"/>
-              <a:t>, </a:t>
-            </a:r>
-            <a:r>
-              <a:rPr lang="en-US" altLang="zh-CN"/>
-              <a:t>now </a:t>
-            </a:r>
-            <a:r>
-              <a:rPr lang="zh-CN" altLang="en-US"/>
-              <a:t>it is</a:t>
-            </a:r>
-            <a:r>
-              <a:rPr lang="en-US" altLang="zh-CN"/>
-              <a:t>,</a:t>
-            </a:r>
-            <a:r>
-              <a:rPr lang="zh-CN" altLang="en-US"/>
-              <a:t> the POC stage, proof of concept; </a:t>
-            </a:r>
-            <a:endParaRPr lang="zh-CN" altLang="en-US"/>
-          </a:p>
-          <a:p>
-            <a:r>
-              <a:rPr lang="zh-CN" altLang="en-US"/>
-              <a:t>season </a:t>
-            </a:r>
-            <a:r>
-              <a:rPr lang="en-US" altLang="zh-CN"/>
-              <a:t>2,</a:t>
-            </a:r>
-            <a:r>
-              <a:rPr lang="zh-CN" altLang="en-US"/>
-              <a:t> the development stage, and more developers are needed; </a:t>
-            </a:r>
-            <a:endParaRPr lang="zh-CN" altLang="en-US"/>
-          </a:p>
-          <a:p>
-            <a:r>
-              <a:rPr lang="en-US" altLang="zh-CN"/>
-              <a:t>season 3,</a:t>
-            </a:r>
-            <a:r>
-              <a:rPr lang="zh-CN" altLang="en-US"/>
-              <a:t> launch</a:t>
-            </a:r>
-            <a:r>
-              <a:rPr lang="en-US" altLang="zh-CN"/>
-              <a:t>!</a:t>
-            </a:r>
-            <a:r>
-              <a:rPr lang="zh-CN" altLang="en-US"/>
-              <a:t> </a:t>
-            </a:r>
-            <a:r>
-              <a:rPr lang="en-US" altLang="zh-CN"/>
-              <a:t>H</a:t>
-            </a:r>
-            <a:r>
-              <a:rPr lang="zh-CN" altLang="en-US"/>
-              <a:t>ope</a:t>
-            </a:r>
-            <a:r>
-              <a:rPr lang="en-US" altLang="zh-CN"/>
-              <a:t>s</a:t>
-            </a:r>
-            <a:r>
-              <a:rPr lang="zh-CN" altLang="en-US"/>
-              <a:t> everything goes well!</a:t>
-            </a:r>
             <a:endParaRPr lang="zh-CN" altLang="en-US"/>
           </a:p>
         </p:txBody>
@@ -8107,7 +6730,7 @@
                 <a:ea typeface="PingFang SC Regular" panose="020B0400000000000000" charset="-122"/>
                 <a:sym typeface="+mn-ea"/>
               </a:rPr>
-              <a:t>security</a:t>
+              <a:t>Security</a:t>
             </a:r>
             <a:endParaRPr lang="en-US" altLang="zh-CN" sz="3600">
               <a:solidFill>
@@ -8421,7 +7044,7 @@
         <p:spPr>
           <a:xfrm>
             <a:off x="4316753" y="2765510"/>
-            <a:ext cx="4736647" cy="1015663"/>
+            <a:ext cx="4736647" cy="1014730"/>
           </a:xfrm>
           <a:prstGeom prst="rect">
             <a:avLst/>
@@ -8436,7 +7059,7 @@
           <a:p>
             <a:pPr algn="dist"/>
             <a:r>
-              <a:rPr lang="zh-CN" altLang="en-US" sz="6000" dirty="0">
+              <a:rPr lang="en-US" altLang="zh-CN" sz="6000" dirty="0">
                 <a:solidFill>
                   <a:schemeClr val="tx1">
                     <a:lumMod val="75000"/>
@@ -8446,9 +7069,9 @@
                 <a:latin typeface="思源宋体 Heavy" panose="02020900000000000000" pitchFamily="18" charset="-122"/>
                 <a:ea typeface="思源宋体 Heavy" panose="02020900000000000000" pitchFamily="18" charset="-122"/>
               </a:rPr>
-              <a:t>谢谢观看</a:t>
-            </a:r>
-            <a:endParaRPr lang="zh-CN" altLang="en-US" sz="6000" dirty="0">
+              <a:t>It's show time</a:t>
+            </a:r>
+            <a:endParaRPr lang="en-US" altLang="zh-CN" sz="6000" dirty="0">
               <a:solidFill>
                 <a:schemeClr val="tx1">
                   <a:lumMod val="75000"/>
@@ -8474,7 +7097,7 @@
         <p:spPr>
           <a:xfrm>
             <a:off x="4332752" y="3946544"/>
-            <a:ext cx="4631250" cy="646331"/>
+            <a:ext cx="4631250" cy="645160"/>
           </a:xfrm>
           <a:prstGeom prst="rect">
             <a:avLst/>
@@ -8489,7 +7112,7 @@
           <a:p>
             <a:pPr algn="dist"/>
             <a:r>
-              <a:rPr lang="en-US" altLang="zh-CN" sz="3600" dirty="0">
+              <a:rPr sz="3600" dirty="0">
                 <a:solidFill>
                   <a:schemeClr val="bg1">
                     <a:lumMod val="50000"/>
@@ -8498,33 +7121,9 @@
                 <a:latin typeface="思源黑体" panose="020B0500000000000000" pitchFamily="34" charset="-122"/>
                 <a:ea typeface="思源黑体" panose="020B0500000000000000" pitchFamily="34" charset="-122"/>
               </a:rPr>
-              <a:t>THANK</a:t>
-            </a:r>
-            <a:r>
-              <a:rPr lang="zh-CN" altLang="en-US" sz="3600" dirty="0">
-                <a:solidFill>
-                  <a:schemeClr val="bg1">
-                    <a:lumMod val="50000"/>
-                  </a:schemeClr>
-                </a:solidFill>
-                <a:latin typeface="思源黑体" panose="020B0500000000000000" pitchFamily="34" charset="-122"/>
-                <a:ea typeface="思源黑体" panose="020B0500000000000000" pitchFamily="34" charset="-122"/>
-              </a:rPr>
-              <a:t> </a:t>
-            </a:r>
-            <a:r>
-              <a:rPr lang="en-US" altLang="zh-CN" sz="3600" dirty="0">
-                <a:solidFill>
-                  <a:schemeClr val="bg1">
-                    <a:lumMod val="50000"/>
-                  </a:schemeClr>
-                </a:solidFill>
-                <a:latin typeface="思源黑体" panose="020B0500000000000000" pitchFamily="34" charset="-122"/>
-                <a:ea typeface="思源黑体" panose="020B0500000000000000" pitchFamily="34" charset="-122"/>
-              </a:rPr>
-              <a:t>YOU</a:t>
-            </a:r>
-            <a:endParaRPr lang="zh-CN" altLang="en-US" sz="3600" dirty="0">
+              <a:t>zkpayroll.xyz</a:t>
+            </a:r>
+            <a:endParaRPr sz="3600" dirty="0">
               <a:solidFill>
                 <a:schemeClr val="bg1">
                   <a:lumMod val="50000"/>
@@ -9238,7 +7837,7 @@
                 <a:cs typeface="+mn-cs"/>
                 <a:sym typeface="FZHei-B01S" panose="02010601030101010101" pitchFamily="2" charset="-122"/>
               </a:rPr>
-              <a:t>Usually Pay</a:t>
+              <a:t>Usual Pay</a:t>
             </a:r>
             <a:endParaRPr kumimoji="0" lang="en-US" altLang="zh-CN" sz="1400" b="0" i="0" u="none" strike="noStrike" kern="1200" cap="none" spc="0" normalizeH="0" baseline="0" noProof="0" dirty="0">
               <a:ln>
@@ -9728,7 +8327,7 @@
                 <a:cs typeface="+mn-cs"/>
                 <a:sym typeface="FZHei-B01S" panose="02010601030101010101" pitchFamily="2" charset="-122"/>
               </a:rPr>
-              <a:t>time: short</a:t>
+              <a:t>time: quick</a:t>
             </a:r>
             <a:endParaRPr kumimoji="0" lang="en-US" altLang="zh-CN" sz="1400" b="0" i="0" u="none" strike="noStrike" kern="1200" cap="none" spc="0" normalizeH="0" baseline="0" noProof="0" dirty="0">
               <a:ln>
@@ -10365,7 +8964,7 @@
                 <a:cs typeface="+mn-cs"/>
                 <a:sym typeface="FZHei-B01S" panose="02010601030101010101" pitchFamily="2" charset="-122"/>
               </a:rPr>
-              <a:t>split $3000 into 3 payment(address)</a:t>
+              <a:t>split $3000 into 3 payment (address)</a:t>
             </a:r>
             <a:endParaRPr kumimoji="0" lang="en-US" altLang="zh-CN" sz="1400" b="0" i="0" u="none" strike="noStrike" kern="1200" cap="none" spc="0" normalizeH="0" baseline="0" noProof="0" dirty="0">
               <a:ln>
@@ -11624,7 +10223,7 @@
         <p:spPr>
           <a:xfrm>
             <a:off x="3014345" y="4926330"/>
-            <a:ext cx="6162040" cy="859155"/>
+            <a:ext cx="6162040" cy="1115695"/>
           </a:xfrm>
           <a:prstGeom prst="rect">
             <a:avLst/>
@@ -11670,7 +10269,7 @@
                 <a:cs typeface="+mn-cs"/>
                 <a:sym typeface="FZHei-B01S" panose="02010601030101010101" pitchFamily="2" charset="-122"/>
               </a:rPr>
-              <a:t>Is your wallet safe enough?</a:t>
+              <a:t>Is private key safe enough?</a:t>
             </a:r>
             <a:endParaRPr kumimoji="0" lang="en-US" altLang="zh-CN" sz="1400" b="1" i="0" u="none" strike="noStrike" kern="1200" cap="none" spc="0" normalizeH="0" baseline="0" noProof="0" dirty="0">
               <a:ln>
@@ -11725,7 +10324,7 @@
                 <a:cs typeface="+mn-cs"/>
                 <a:sym typeface="FZHei-B01S" panose="02010601030101010101" pitchFamily="2" charset="-122"/>
               </a:rPr>
-              <a:t>We recognize that the newbie's first salary is much easier to be stole</a:t>
+              <a:t>we recognize that the newbie's first salary is much easier to be stolen</a:t>
             </a:r>
             <a:endParaRPr kumimoji="0" lang="en-US" altLang="zh-CN" sz="1400" b="0" i="0" u="none" strike="noStrike" kern="1200" cap="none" spc="0" normalizeH="0" baseline="0" noProof="0" dirty="0">
               <a:ln>
@@ -11780,7 +10379,62 @@
                 <a:cs typeface="+mn-cs"/>
                 <a:sym typeface="FZHei-B01S" panose="02010601030101010101" pitchFamily="2" charset="-122"/>
               </a:rPr>
-              <a:t>In fact, there're many ways to take our private key</a:t>
+              <a:t>In fact, there're many traps (e.g. Phishing) to take our private key</a:t>
+            </a:r>
+            <a:endParaRPr kumimoji="0" lang="en-US" altLang="zh-CN" sz="1400" b="0" i="0" u="none" strike="noStrike" kern="1200" cap="none" spc="0" normalizeH="0" baseline="0" noProof="0" dirty="0">
+              <a:ln>
+                <a:noFill/>
+              </a:ln>
+              <a:solidFill>
+                <a:schemeClr val="bg1">
+                  <a:lumMod val="50000"/>
+                </a:schemeClr>
+              </a:solidFill>
+              <a:effectLst/>
+              <a:uLnTx/>
+              <a:uFillTx/>
+              <a:latin typeface="思源黑体 CN Normal" panose="020B0400000000000000" pitchFamily="34" charset="-122"/>
+              <a:ea typeface="思源黑体 CN Normal" panose="020B0400000000000000" pitchFamily="34" charset="-122"/>
+              <a:cs typeface="+mn-cs"/>
+              <a:sym typeface="FZHei-B01S" panose="02010601030101010101" pitchFamily="2" charset="-122"/>
+            </a:endParaRPr>
+          </a:p>
+          <a:p>
+            <a:pPr marL="0" marR="0" lvl="0" indent="0" algn="l" defTabSz="1217930" rtl="0" eaLnBrk="1" fontAlgn="auto" latinLnBrk="0" hangingPunct="1">
+              <a:lnSpc>
+                <a:spcPts val="2000"/>
+              </a:lnSpc>
+              <a:spcBef>
+                <a:spcPts val="0"/>
+              </a:spcBef>
+              <a:spcAft>
+                <a:spcPts val="0"/>
+              </a:spcAft>
+              <a:buClrTx/>
+              <a:buSzTx/>
+              <a:buFontTx/>
+              <a:buNone/>
+              <a:defRPr/>
+            </a:pPr>
+            <a:r>
+              <a:rPr kumimoji="0" lang="en-US" altLang="zh-CN" sz="1400" b="0" i="0" u="none" strike="noStrike" kern="1200" cap="none" spc="0" normalizeH="0" baseline="0" noProof="0" dirty="0">
+                <a:ln>
+                  <a:noFill/>
+                </a:ln>
+                <a:solidFill>
+                  <a:schemeClr val="bg1">
+                    <a:lumMod val="50000"/>
+                  </a:schemeClr>
+                </a:solidFill>
+                <a:effectLst/>
+                <a:uLnTx/>
+                <a:uFillTx/>
+                <a:latin typeface="思源黑体 CN Normal" panose="020B0400000000000000" pitchFamily="34" charset="-122"/>
+                <a:ea typeface="思源黑体 CN Normal" panose="020B0400000000000000" pitchFamily="34" charset="-122"/>
+                <a:cs typeface="+mn-cs"/>
+                <a:sym typeface="FZHei-B01S" panose="02010601030101010101" pitchFamily="2" charset="-122"/>
+              </a:rPr>
+              <a:t>so we build safebox, to save assets </a:t>
             </a:r>
             <a:endParaRPr kumimoji="0" lang="en-US" altLang="zh-CN" sz="1400" b="0" i="0" u="none" strike="noStrike" kern="1200" cap="none" spc="0" normalizeH="0" baseline="0" noProof="0" dirty="0">
               <a:ln>
@@ -12269,7 +10923,7 @@
         <p:spPr>
           <a:xfrm>
             <a:off x="4106545" y="5117465"/>
-            <a:ext cx="3978910" cy="1115695"/>
+            <a:ext cx="4431665" cy="1115695"/>
           </a:xfrm>
           <a:prstGeom prst="rect">
             <a:avLst/>
@@ -12370,7 +11024,7 @@
                 <a:cs typeface="+mn-cs"/>
                 <a:sym typeface="FZHei-B01S" panose="02010601030101010101" pitchFamily="2" charset="-122"/>
               </a:rPr>
-              <a:t>user input password to zk circuit at frontend</a:t>
+              <a:t>owner input password to zk circuit at frontend</a:t>
             </a:r>
             <a:endParaRPr kumimoji="0" lang="en-US" altLang="zh-CN" sz="1400" b="0" i="0" u="none" strike="noStrike" kern="1200" cap="none" spc="0" normalizeH="0" baseline="0" noProof="0" dirty="0">
               <a:ln>
@@ -12477,7 +11131,7 @@
                 <a:ea typeface="思源黑体 CN Normal" panose="020B0400000000000000" pitchFamily="34" charset="-122"/>
                 <a:sym typeface="FZHei-B01S" panose="02010601030101010101" pitchFamily="2" charset="-122"/>
               </a:rPr>
-              <a:t>contract verify success, withdraw to user</a:t>
+              <a:t>contract verify success, withdraw to owner </a:t>
             </a:r>
             <a:endParaRPr lang="en-US" altLang="zh-CN" sz="1400" noProof="0" dirty="0">
               <a:ln>
@@ -13120,45 +11774,7 @@
                 <a:ea typeface="思源黑体 CN Normal" panose="020B0400000000000000" pitchFamily="34" charset="-122"/>
                 <a:sym typeface="FZHei-B01S" panose="02010601030101010101" pitchFamily="2" charset="-122"/>
               </a:rPr>
-              <a:t>password is taken, </a:t>
-            </a:r>
-            <a:r>
-              <a:rPr lang="en-US" altLang="zh-CN" sz="1400" noProof="0" dirty="0">
-                <a:ln>
-                  <a:noFill/>
-                </a:ln>
-                <a:solidFill>
-                  <a:schemeClr val="bg1">
-                    <a:lumMod val="50000"/>
-                  </a:schemeClr>
-                </a:solidFill>
-                <a:effectLst/>
-                <a:uLnTx/>
-                <a:uFillTx/>
-                <a:latin typeface="思源黑体 CN Normal" panose="020B0400000000000000" pitchFamily="34" charset="-122"/>
-                <a:ea typeface="思源黑体 CN Normal" panose="020B0400000000000000" pitchFamily="34" charset="-122"/>
-                <a:sym typeface="FZHei-B01S" panose="02010601030101010101" pitchFamily="2" charset="-122"/>
-              </a:rPr>
-              <a:t>safebox is</a:t>
-            </a:r>
-            <a:r>
-              <a:rPr lang="en-US" altLang="zh-CN" sz="1400" noProof="0" dirty="0">
-                <a:ln>
-                  <a:noFill/>
-                </a:ln>
-                <a:solidFill>
-                  <a:schemeClr val="bg1">
-                    <a:lumMod val="50000"/>
-                  </a:schemeClr>
-                </a:solidFill>
-                <a:effectLst/>
-                <a:uLnTx/>
-                <a:uFillTx/>
-                <a:latin typeface="思源黑体 CN Normal" panose="020B0400000000000000" pitchFamily="34" charset="-122"/>
-                <a:ea typeface="思源黑体 CN Normal" panose="020B0400000000000000" pitchFamily="34" charset="-122"/>
-                <a:sym typeface="FZHei-B01S" panose="02010601030101010101" pitchFamily="2" charset="-122"/>
-              </a:rPr>
-              <a:t> still safe</a:t>
+              <a:t>password is taken, safebox is still safe</a:t>
             </a:r>
             <a:endParaRPr lang="en-US" altLang="zh-CN" sz="1400" noProof="0" dirty="0">
               <a:ln>
@@ -13699,7 +12315,7 @@
         <p:spPr>
           <a:xfrm>
             <a:off x="3887470" y="5046980"/>
-            <a:ext cx="4417695" cy="1115695"/>
+            <a:ext cx="5017770" cy="1115695"/>
           </a:xfrm>
           <a:prstGeom prst="rect">
             <a:avLst/>
@@ -13854,7 +12470,7 @@
                 <a:ea typeface="思源黑体 CN Normal" panose="020B0400000000000000" pitchFamily="34" charset="-122"/>
                 <a:sym typeface="FZHei-B01S" panose="02010601030101010101" pitchFamily="2" charset="-122"/>
               </a:rPr>
-              <a:t>we'll try to upgrade it, make it harder to calculate</a:t>
+              <a:t>we're going to upgrade it, make calculation harder </a:t>
             </a:r>
             <a:endParaRPr lang="en-US" altLang="zh-CN" sz="1400" noProof="0" dirty="0">
               <a:ln>
@@ -13890,6 +12506,25 @@
               <a:buNone/>
               <a:defRPr/>
             </a:pPr>
+            <a:r>
+              <a:rPr lang="en-US" altLang="zh-CN" sz="1400" noProof="0" dirty="0">
+                <a:ln>
+                  <a:noFill/>
+                </a:ln>
+                <a:solidFill>
+                  <a:schemeClr val="bg1">
+                    <a:lumMod val="50000"/>
+                  </a:schemeClr>
+                </a:solidFill>
+                <a:effectLst/>
+                <a:uLnTx/>
+                <a:uFillTx/>
+                <a:latin typeface="思源黑体 CN Normal" panose="020B0400000000000000" pitchFamily="34" charset="-122"/>
+                <a:ea typeface="思源黑体 CN Normal" panose="020B0400000000000000" pitchFamily="34" charset="-122"/>
+                <a:sym typeface="FZHei-B01S" panose="02010601030101010101" pitchFamily="2" charset="-122"/>
+              </a:rPr>
+              <a:t>to </a:t>
+            </a:r>
             <a:r>
               <a:rPr lang="en-US" altLang="zh-CN" sz="1400" noProof="0" dirty="0">
                 <a:ln>
@@ -14485,8 +13120,26 @@
                 <a:ea typeface="Source Han Sans SC" panose="020B0500000000000000" pitchFamily="34" charset="-128"/>
                 <a:sym typeface="FZHei-B01S" panose="02010601030101010101" pitchFamily="2" charset="-122"/>
               </a:rPr>
-              <a:t>4 years solidity </a:t>
-            </a:r>
+              <a:t>4 years solidity develop</a:t>
+            </a:r>
+            <a:endParaRPr lang="en-US" altLang="zh-CN" sz="1200" dirty="0">
+              <a:solidFill>
+                <a:schemeClr val="bg1">
+                  <a:lumMod val="50000"/>
+                </a:schemeClr>
+              </a:solidFill>
+              <a:latin typeface="Source Han Sans SC" panose="020B0500000000000000" pitchFamily="34" charset="-128"/>
+              <a:ea typeface="Source Han Sans SC" panose="020B0500000000000000" pitchFamily="34" charset="-128"/>
+              <a:sym typeface="FZHei-B01S" panose="02010601030101010101" pitchFamily="2" charset="-122"/>
+            </a:endParaRPr>
+          </a:p>
+          <a:p>
+            <a:pPr lvl="0" algn="ctr">
+              <a:lnSpc>
+                <a:spcPts val="2000"/>
+              </a:lnSpc>
+              <a:defRPr/>
+            </a:pPr>
             <a:r>
               <a:rPr lang="en-US" altLang="zh-CN" sz="1200" dirty="0">
                 <a:solidFill>
@@ -14498,38 +13151,7 @@
                 <a:ea typeface="Source Han Sans SC" panose="020B0500000000000000" pitchFamily="34" charset="-128"/>
                 <a:sym typeface="FZHei-B01S" panose="02010601030101010101" pitchFamily="2" charset="-122"/>
               </a:rPr>
-              <a:t>develop</a:t>
-            </a:r>
-            <a:endParaRPr lang="en-US" altLang="zh-CN" sz="1200" dirty="0">
-              <a:solidFill>
-                <a:schemeClr val="bg1">
-                  <a:lumMod val="50000"/>
-                </a:schemeClr>
-              </a:solidFill>
-              <a:latin typeface="Source Han Sans SC" panose="020B0500000000000000" pitchFamily="34" charset="-128"/>
-              <a:ea typeface="Source Han Sans SC" panose="020B0500000000000000" pitchFamily="34" charset="-128"/>
-              <a:sym typeface="FZHei-B01S" panose="02010601030101010101" pitchFamily="2" charset="-122"/>
-            </a:endParaRPr>
-          </a:p>
-          <a:p>
-            <a:pPr lvl="0" algn="ctr">
-              <a:lnSpc>
-                <a:spcPts val="2000"/>
-              </a:lnSpc>
-              <a:defRPr/>
-            </a:pPr>
-            <a:r>
-              <a:rPr lang="en-US" altLang="zh-CN" sz="1200" dirty="0">
-                <a:solidFill>
-                  <a:schemeClr val="bg1">
-                    <a:lumMod val="50000"/>
-                  </a:schemeClr>
-                </a:solidFill>
-                <a:latin typeface="Source Han Sans SC" panose="020B0500000000000000" pitchFamily="34" charset="-128"/>
-                <a:ea typeface="Source Han Sans SC" panose="020B0500000000000000" pitchFamily="34" charset="-128"/>
-                <a:sym typeface="FZHei-B01S" panose="02010601030101010101" pitchFamily="2" charset="-122"/>
-              </a:rPr>
-              <a:t>boring coder</a:t>
+              <a:t>a boring coder</a:t>
             </a:r>
             <a:endParaRPr lang="en-US" altLang="zh-CN" sz="1200" dirty="0">
               <a:solidFill>
